--- a/Spell database diagram.pptx
+++ b/Spell database diagram.pptx
@@ -259,7 +259,7 @@
           <a:p>
             <a:fld id="{2EA71DFD-377C-4EB5-BA3E-17FDF086A0CC}" type="datetimeFigureOut">
               <a:rPr lang="en-US" smtClean="0"/>
-              <a:t>5/5/2024</a:t>
+              <a:t>8/29/2024</a:t>
             </a:fld>
             <a:endParaRPr lang="en-US"/>
           </a:p>
@@ -457,7 +457,7 @@
           <a:p>
             <a:fld id="{2EA71DFD-377C-4EB5-BA3E-17FDF086A0CC}" type="datetimeFigureOut">
               <a:rPr lang="en-US" smtClean="0"/>
-              <a:t>5/5/2024</a:t>
+              <a:t>8/29/2024</a:t>
             </a:fld>
             <a:endParaRPr lang="en-US"/>
           </a:p>
@@ -665,7 +665,7 @@
           <a:p>
             <a:fld id="{2EA71DFD-377C-4EB5-BA3E-17FDF086A0CC}" type="datetimeFigureOut">
               <a:rPr lang="en-US" smtClean="0"/>
-              <a:t>5/5/2024</a:t>
+              <a:t>8/29/2024</a:t>
             </a:fld>
             <a:endParaRPr lang="en-US"/>
           </a:p>
@@ -863,7 +863,7 @@
           <a:p>
             <a:fld id="{2EA71DFD-377C-4EB5-BA3E-17FDF086A0CC}" type="datetimeFigureOut">
               <a:rPr lang="en-US" smtClean="0"/>
-              <a:t>5/5/2024</a:t>
+              <a:t>8/29/2024</a:t>
             </a:fld>
             <a:endParaRPr lang="en-US"/>
           </a:p>
@@ -1138,7 +1138,7 @@
           <a:p>
             <a:fld id="{2EA71DFD-377C-4EB5-BA3E-17FDF086A0CC}" type="datetimeFigureOut">
               <a:rPr lang="en-US" smtClean="0"/>
-              <a:t>5/5/2024</a:t>
+              <a:t>8/29/2024</a:t>
             </a:fld>
             <a:endParaRPr lang="en-US"/>
           </a:p>
@@ -1403,7 +1403,7 @@
           <a:p>
             <a:fld id="{2EA71DFD-377C-4EB5-BA3E-17FDF086A0CC}" type="datetimeFigureOut">
               <a:rPr lang="en-US" smtClean="0"/>
-              <a:t>5/5/2024</a:t>
+              <a:t>8/29/2024</a:t>
             </a:fld>
             <a:endParaRPr lang="en-US"/>
           </a:p>
@@ -1815,7 +1815,7 @@
           <a:p>
             <a:fld id="{2EA71DFD-377C-4EB5-BA3E-17FDF086A0CC}" type="datetimeFigureOut">
               <a:rPr lang="en-US" smtClean="0"/>
-              <a:t>5/5/2024</a:t>
+              <a:t>8/29/2024</a:t>
             </a:fld>
             <a:endParaRPr lang="en-US"/>
           </a:p>
@@ -1956,7 +1956,7 @@
           <a:p>
             <a:fld id="{2EA71DFD-377C-4EB5-BA3E-17FDF086A0CC}" type="datetimeFigureOut">
               <a:rPr lang="en-US" smtClean="0"/>
-              <a:t>5/5/2024</a:t>
+              <a:t>8/29/2024</a:t>
             </a:fld>
             <a:endParaRPr lang="en-US"/>
           </a:p>
@@ -2069,7 +2069,7 @@
           <a:p>
             <a:fld id="{2EA71DFD-377C-4EB5-BA3E-17FDF086A0CC}" type="datetimeFigureOut">
               <a:rPr lang="en-US" smtClean="0"/>
-              <a:t>5/5/2024</a:t>
+              <a:t>8/29/2024</a:t>
             </a:fld>
             <a:endParaRPr lang="en-US"/>
           </a:p>
@@ -2380,7 +2380,7 @@
           <a:p>
             <a:fld id="{2EA71DFD-377C-4EB5-BA3E-17FDF086A0CC}" type="datetimeFigureOut">
               <a:rPr lang="en-US" smtClean="0"/>
-              <a:t>5/5/2024</a:t>
+              <a:t>8/29/2024</a:t>
             </a:fld>
             <a:endParaRPr lang="en-US"/>
           </a:p>
@@ -2668,7 +2668,7 @@
           <a:p>
             <a:fld id="{2EA71DFD-377C-4EB5-BA3E-17FDF086A0CC}" type="datetimeFigureOut">
               <a:rPr lang="en-US" smtClean="0"/>
-              <a:t>5/5/2024</a:t>
+              <a:t>8/29/2024</a:t>
             </a:fld>
             <a:endParaRPr lang="en-US"/>
           </a:p>
@@ -2909,7 +2909,7 @@
           <a:p>
             <a:fld id="{2EA71DFD-377C-4EB5-BA3E-17FDF086A0CC}" type="datetimeFigureOut">
               <a:rPr lang="en-US" smtClean="0"/>
-              <a:t>5/5/2024</a:t>
+              <a:t>8/29/2024</a:t>
             </a:fld>
             <a:endParaRPr lang="en-US"/>
           </a:p>
@@ -3341,7 +3341,7 @@
           <p:nvPr>
             <p:extLst>
               <p:ext uri="{D42A27DB-BD31-4B8C-83A1-F6EECF244321}">
-                <p14:modId xmlns:p14="http://schemas.microsoft.com/office/powerpoint/2010/main" val="2611338836"/>
+                <p14:modId xmlns:p14="http://schemas.microsoft.com/office/powerpoint/2010/main" val="2075557853"/>
               </p:ext>
             </p:extLst>
           </p:nvPr>
@@ -3461,7 +3461,7 @@
                       </a:r>
                       <a:r>
                         <a:rPr lang="en-US" sz="1200" dirty="0"/>
-                        <a:t> STRING NOT NULL</a:t>
+                        <a:t> TEXT NOT NULL</a:t>
                       </a:r>
                     </a:p>
                   </a:txBody>
@@ -3555,7 +3555,7 @@
                     <a:p>
                       <a:r>
                         <a:rPr lang="en-US" sz="1200" dirty="0"/>
-                        <a:t>description BLOB NOT NULL</a:t>
+                        <a:t>description TEXT NOT NULL</a:t>
                       </a:r>
                     </a:p>
                   </a:txBody>
@@ -3704,12 +3704,8 @@
                     <a:lstStyle/>
                     <a:p>
                       <a:r>
-                        <a:rPr lang="en-US" sz="1200" dirty="0" err="1"/>
-                        <a:t>has_concentration</a:t>
-                      </a:r>
-                      <a:r>
                         <a:rPr lang="en-US" sz="1200" dirty="0"/>
-                        <a:t> BOOLEAN NOT NULL</a:t>
+                        <a:t>concentration BOOLEAN NOT NULL</a:t>
                       </a:r>
                     </a:p>
                   </a:txBody>
@@ -3738,12 +3734,8 @@
                     <a:lstStyle/>
                     <a:p>
                       <a:r>
-                        <a:rPr lang="en-US" sz="1200" dirty="0" err="1"/>
-                        <a:t>Is_ritual</a:t>
-                      </a:r>
-                      <a:r>
                         <a:rPr lang="en-US" sz="1200" dirty="0"/>
-                        <a:t> BOOLEAN NOT NULL</a:t>
+                        <a:t>ritual BOOLEAN NOT NULL</a:t>
                       </a:r>
                     </a:p>
                   </a:txBody>
@@ -3807,11 +3799,11 @@
                     <a:p>
                       <a:r>
                         <a:rPr lang="en-US" sz="1200" dirty="0" err="1"/>
-                        <a:t>has_upcast_effect</a:t>
+                        <a:t>upcast_effect</a:t>
                       </a:r>
                       <a:r>
                         <a:rPr lang="en-US" sz="1200" dirty="0"/>
-                        <a:t> BOOLEAN NOT NULL</a:t>
+                        <a:t> TEXT</a:t>
                       </a:r>
                     </a:p>
                   </a:txBody>
@@ -3842,14 +3834,14 @@
           <p:nvPr>
             <p:extLst>
               <p:ext uri="{D42A27DB-BD31-4B8C-83A1-F6EECF244321}">
-                <p14:modId xmlns:p14="http://schemas.microsoft.com/office/powerpoint/2010/main" val="1216444242"/>
+                <p14:modId xmlns:p14="http://schemas.microsoft.com/office/powerpoint/2010/main" val="4266950432"/>
               </p:ext>
             </p:extLst>
           </p:nvPr>
         </p:nvGraphicFramePr>
         <p:xfrm>
-          <a:off x="5282283" y="1918307"/>
-          <a:ext cx="2330450" cy="853440"/>
+          <a:off x="5282282" y="1918307"/>
+          <a:ext cx="2605195" cy="853440"/>
         </p:xfrm>
         <a:graphic>
           <a:graphicData uri="http://schemas.openxmlformats.org/drawingml/2006/table">
@@ -3858,14 +3850,14 @@
                 <a:tableStyleId>{5C22544A-7EE6-4342-B048-85BDC9FD1C3A}</a:tableStyleId>
               </a:tblPr>
               <a:tblGrid>
-                <a:gridCol w="529724">
+                <a:gridCol w="592175">
                   <a:extLst>
                     <a:ext uri="{9D8B030D-6E8A-4147-A177-3AD203B41FA5}">
                       <a16:colId xmlns:a16="http://schemas.microsoft.com/office/drawing/2014/main" val="1454048853"/>
                     </a:ext>
                   </a:extLst>
                 </a:gridCol>
-                <a:gridCol w="1800726">
+                <a:gridCol w="2013020">
                   <a:extLst>
                     <a:ext uri="{9D8B030D-6E8A-4147-A177-3AD203B41FA5}">
                       <a16:colId xmlns:a16="http://schemas.microsoft.com/office/drawing/2014/main" val="3290258725"/>
@@ -3923,8 +3915,12 @@
                     <a:lstStyle/>
                     <a:p>
                       <a:r>
+                        <a:rPr lang="en-US" sz="1200" dirty="0" err="1"/>
+                        <a:t>fusion_id</a:t>
+                      </a:r>
+                      <a:r>
                         <a:rPr lang="en-US" sz="1200" dirty="0"/>
-                        <a:t>fusion ID INT NOT NULL</a:t>
+                        <a:t> INT NOT NULL</a:t>
                       </a:r>
                     </a:p>
                   </a:txBody>
@@ -3954,7 +3950,7 @@
                     <a:p>
                       <a:r>
                         <a:rPr lang="en-US" sz="1200" dirty="0"/>
-                        <a:t>effect BLOB NOT NULL</a:t>
+                        <a:t>effect TEXT NOT NULL</a:t>
                       </a:r>
                     </a:p>
                   </a:txBody>
@@ -4483,19 +4479,20 @@
             </a:extLst>
           </p:cNvPr>
           <p:cNvCxnSpPr>
+            <a:cxnSpLocks/>
             <a:endCxn id="5" idx="1"/>
           </p:cNvCxnSpPr>
           <p:nvPr/>
         </p:nvCxnSpPr>
         <p:spPr>
           <a:xfrm rot="5400000">
-            <a:off x="4651334" y="1714078"/>
-            <a:ext cx="1261898" cy="12700"/>
+            <a:off x="4657685" y="1714077"/>
+            <a:ext cx="1255548" cy="6353"/>
           </a:xfrm>
           <a:prstGeom prst="bentConnector4">
             <a:avLst>
-              <a:gd name="adj1" fmla="val 1"/>
-              <a:gd name="adj2" fmla="val 3014283"/>
+              <a:gd name="adj1" fmla="val 33007"/>
+              <a:gd name="adj2" fmla="val 3698300"/>
             </a:avLst>
           </a:prstGeom>
           <a:ln>

--- a/Spell database diagram.pptx
+++ b/Spell database diagram.pptx
@@ -259,7 +259,7 @@
           <a:p>
             <a:fld id="{2EA71DFD-377C-4EB5-BA3E-17FDF086A0CC}" type="datetimeFigureOut">
               <a:rPr lang="en-US" smtClean="0"/>
-              <a:t>8/29/2024</a:t>
+              <a:t>8/31/2024</a:t>
             </a:fld>
             <a:endParaRPr lang="en-US"/>
           </a:p>
@@ -457,7 +457,7 @@
           <a:p>
             <a:fld id="{2EA71DFD-377C-4EB5-BA3E-17FDF086A0CC}" type="datetimeFigureOut">
               <a:rPr lang="en-US" smtClean="0"/>
-              <a:t>8/29/2024</a:t>
+              <a:t>8/31/2024</a:t>
             </a:fld>
             <a:endParaRPr lang="en-US"/>
           </a:p>
@@ -665,7 +665,7 @@
           <a:p>
             <a:fld id="{2EA71DFD-377C-4EB5-BA3E-17FDF086A0CC}" type="datetimeFigureOut">
               <a:rPr lang="en-US" smtClean="0"/>
-              <a:t>8/29/2024</a:t>
+              <a:t>8/31/2024</a:t>
             </a:fld>
             <a:endParaRPr lang="en-US"/>
           </a:p>
@@ -863,7 +863,7 @@
           <a:p>
             <a:fld id="{2EA71DFD-377C-4EB5-BA3E-17FDF086A0CC}" type="datetimeFigureOut">
               <a:rPr lang="en-US" smtClean="0"/>
-              <a:t>8/29/2024</a:t>
+              <a:t>8/31/2024</a:t>
             </a:fld>
             <a:endParaRPr lang="en-US"/>
           </a:p>
@@ -1138,7 +1138,7 @@
           <a:p>
             <a:fld id="{2EA71DFD-377C-4EB5-BA3E-17FDF086A0CC}" type="datetimeFigureOut">
               <a:rPr lang="en-US" smtClean="0"/>
-              <a:t>8/29/2024</a:t>
+              <a:t>8/31/2024</a:t>
             </a:fld>
             <a:endParaRPr lang="en-US"/>
           </a:p>
@@ -1403,7 +1403,7 @@
           <a:p>
             <a:fld id="{2EA71DFD-377C-4EB5-BA3E-17FDF086A0CC}" type="datetimeFigureOut">
               <a:rPr lang="en-US" smtClean="0"/>
-              <a:t>8/29/2024</a:t>
+              <a:t>8/31/2024</a:t>
             </a:fld>
             <a:endParaRPr lang="en-US"/>
           </a:p>
@@ -1815,7 +1815,7 @@
           <a:p>
             <a:fld id="{2EA71DFD-377C-4EB5-BA3E-17FDF086A0CC}" type="datetimeFigureOut">
               <a:rPr lang="en-US" smtClean="0"/>
-              <a:t>8/29/2024</a:t>
+              <a:t>8/31/2024</a:t>
             </a:fld>
             <a:endParaRPr lang="en-US"/>
           </a:p>
@@ -1956,7 +1956,7 @@
           <a:p>
             <a:fld id="{2EA71DFD-377C-4EB5-BA3E-17FDF086A0CC}" type="datetimeFigureOut">
               <a:rPr lang="en-US" smtClean="0"/>
-              <a:t>8/29/2024</a:t>
+              <a:t>8/31/2024</a:t>
             </a:fld>
             <a:endParaRPr lang="en-US"/>
           </a:p>
@@ -2069,7 +2069,7 @@
           <a:p>
             <a:fld id="{2EA71DFD-377C-4EB5-BA3E-17FDF086A0CC}" type="datetimeFigureOut">
               <a:rPr lang="en-US" smtClean="0"/>
-              <a:t>8/29/2024</a:t>
+              <a:t>8/31/2024</a:t>
             </a:fld>
             <a:endParaRPr lang="en-US"/>
           </a:p>
@@ -2380,7 +2380,7 @@
           <a:p>
             <a:fld id="{2EA71DFD-377C-4EB5-BA3E-17FDF086A0CC}" type="datetimeFigureOut">
               <a:rPr lang="en-US" smtClean="0"/>
-              <a:t>8/29/2024</a:t>
+              <a:t>8/31/2024</a:t>
             </a:fld>
             <a:endParaRPr lang="en-US"/>
           </a:p>
@@ -2668,7 +2668,7 @@
           <a:p>
             <a:fld id="{2EA71DFD-377C-4EB5-BA3E-17FDF086A0CC}" type="datetimeFigureOut">
               <a:rPr lang="en-US" smtClean="0"/>
-              <a:t>8/29/2024</a:t>
+              <a:t>8/31/2024</a:t>
             </a:fld>
             <a:endParaRPr lang="en-US"/>
           </a:p>
@@ -2909,7 +2909,7 @@
           <a:p>
             <a:fld id="{2EA71DFD-377C-4EB5-BA3E-17FDF086A0CC}" type="datetimeFigureOut">
               <a:rPr lang="en-US" smtClean="0"/>
-              <a:t>8/29/2024</a:t>
+              <a:t>8/31/2024</a:t>
             </a:fld>
             <a:endParaRPr lang="en-US"/>
           </a:p>
@@ -3981,14 +3981,14 @@
           <p:nvPr>
             <p:extLst>
               <p:ext uri="{D42A27DB-BD31-4B8C-83A1-F6EECF244321}">
-                <p14:modId xmlns:p14="http://schemas.microsoft.com/office/powerpoint/2010/main" val="304279581"/>
+                <p14:modId xmlns:p14="http://schemas.microsoft.com/office/powerpoint/2010/main" val="537924348"/>
               </p:ext>
             </p:extLst>
           </p:nvPr>
         </p:nvGraphicFramePr>
         <p:xfrm>
-          <a:off x="1263650" y="5699017"/>
-          <a:ext cx="2235200" cy="853440"/>
+          <a:off x="1263649" y="5699017"/>
+          <a:ext cx="3172883" cy="853440"/>
         </p:xfrm>
         <a:graphic>
           <a:graphicData uri="http://schemas.openxmlformats.org/drawingml/2006/table">
@@ -3997,14 +3997,14 @@
                 <a:tableStyleId>{5C22544A-7EE6-4342-B048-85BDC9FD1C3A}</a:tableStyleId>
               </a:tblPr>
               <a:tblGrid>
-                <a:gridCol w="508073">
+                <a:gridCol w="721213">
                   <a:extLst>
                     <a:ext uri="{9D8B030D-6E8A-4147-A177-3AD203B41FA5}">
                       <a16:colId xmlns:a16="http://schemas.microsoft.com/office/drawing/2014/main" val="1454048853"/>
                     </a:ext>
                   </a:extLst>
                 </a:gridCol>
-                <a:gridCol w="1727127">
+                <a:gridCol w="2451670">
                   <a:extLst>
                     <a:ext uri="{9D8B030D-6E8A-4147-A177-3AD203B41FA5}">
                       <a16:colId xmlns:a16="http://schemas.microsoft.com/office/drawing/2014/main" val="3290258725"/>
@@ -4063,7 +4063,7 @@
                     <a:p>
                       <a:r>
                         <a:rPr lang="en-US" sz="1200" dirty="0" err="1"/>
-                        <a:t>class_id</a:t>
+                        <a:t>character_class_id</a:t>
                       </a:r>
                       <a:r>
                         <a:rPr lang="en-US" sz="1200" dirty="0"/>
@@ -4096,8 +4096,12 @@
                     <a:lstStyle/>
                     <a:p>
                       <a:r>
+                        <a:rPr lang="en-US" sz="1200" dirty="0" err="1"/>
+                        <a:t>character_class</a:t>
+                      </a:r>
+                      <a:r>
                         <a:rPr lang="en-US" sz="1200" dirty="0"/>
-                        <a:t>class TEXT NOT NULL</a:t>
+                        <a:t> TEXT NOT NULL</a:t>
                       </a:r>
                     </a:p>
                   </a:txBody>
@@ -4440,13 +4444,13 @@
         </p:nvCxnSpPr>
         <p:spPr>
           <a:xfrm rot="5400000">
-            <a:off x="840400" y="5702484"/>
-            <a:ext cx="846503" cy="2"/>
+            <a:off x="840405" y="5702479"/>
+            <a:ext cx="846503" cy="13"/>
           </a:xfrm>
           <a:prstGeom prst="bentConnector4">
             <a:avLst>
-              <a:gd name="adj1" fmla="val -522"/>
-              <a:gd name="adj2" fmla="val 11430100000"/>
+              <a:gd name="adj1" fmla="val 789"/>
+              <a:gd name="adj2" fmla="val 1758561538"/>
             </a:avLst>
           </a:prstGeom>
           <a:ln>
@@ -4491,7 +4495,7 @@
           </a:xfrm>
           <a:prstGeom prst="bentConnector4">
             <a:avLst>
-              <a:gd name="adj1" fmla="val 33007"/>
+              <a:gd name="adj1" fmla="val -36"/>
               <a:gd name="adj2" fmla="val 3698300"/>
             </a:avLst>
           </a:prstGeom>
